--- a/ESPRIT-4CINFO1-Mai-Juin-2015/Diapositives/7. Testes d'Intrusion.pptx
+++ b/ESPRIT-4CINFO1-Mai-Juin-2015/Diapositives/7. Testes d'Intrusion.pptx
@@ -6,6 +6,13 @@
   </p:sldMasterIdLst>
   <p:sldIdLst>
     <p:sldId id="256" r:id="rId2"/>
+    <p:sldId id="257" r:id="rId3"/>
+    <p:sldId id="258" r:id="rId4"/>
+    <p:sldId id="259" r:id="rId5"/>
+    <p:sldId id="260" r:id="rId6"/>
+    <p:sldId id="261" r:id="rId7"/>
+    <p:sldId id="262" r:id="rId8"/>
+    <p:sldId id="263" r:id="rId9"/>
   </p:sldIdLst>
   <p:sldSz cx="12192000" cy="6858000"/>
   <p:notesSz cx="6858000" cy="9144000"/>
@@ -3924,6 +3931,629 @@
 </p:sld>
 </file>
 
+<file path=ppt/slides/slide2.xml><?xml version="1.0" encoding="utf-8"?>
+<p:sld xmlns:a="http://schemas.openxmlformats.org/drawingml/2006/main" xmlns:r="http://schemas.openxmlformats.org/officeDocument/2006/relationships" xmlns:p="http://schemas.openxmlformats.org/presentationml/2006/main">
+  <p:cSld>
+    <p:spTree>
+      <p:nvGrpSpPr>
+        <p:cNvPr id="1" name=""/>
+        <p:cNvGrpSpPr/>
+        <p:nvPr/>
+      </p:nvGrpSpPr>
+      <p:grpSpPr>
+        <a:xfrm>
+          <a:off x="0" y="0"/>
+          <a:ext cx="0" cy="0"/>
+          <a:chOff x="0" y="0"/>
+          <a:chExt cx="0" cy="0"/>
+        </a:xfrm>
+      </p:grpSpPr>
+      <p:sp>
+        <p:nvSpPr>
+          <p:cNvPr id="2" name="Title 1"/>
+          <p:cNvSpPr>
+            <a:spLocks noGrp="1"/>
+          </p:cNvSpPr>
+          <p:nvPr>
+            <p:ph type="title"/>
+          </p:nvPr>
+        </p:nvSpPr>
+        <p:spPr/>
+        <p:txBody>
+          <a:bodyPr/>
+          <a:lstStyle/>
+          <a:p>
+            <a:r>
+              <a:rPr lang="en-US" dirty="0" smtClean="0"/>
+              <a:t>Plan</a:t>
+            </a:r>
+            <a:endParaRPr lang="en-US" dirty="0"/>
+          </a:p>
+        </p:txBody>
+      </p:sp>
+      <p:sp>
+        <p:nvSpPr>
+          <p:cNvPr id="3" name="Content Placeholder 2"/>
+          <p:cNvSpPr>
+            <a:spLocks noGrp="1"/>
+          </p:cNvSpPr>
+          <p:nvPr>
+            <p:ph idx="1"/>
+          </p:nvPr>
+        </p:nvSpPr>
+        <p:spPr/>
+        <p:txBody>
+          <a:bodyPr/>
+          <a:lstStyle/>
+          <a:p>
+            <a:r>
+              <a:rPr lang="fr-FR" dirty="0" smtClean="0"/>
+              <a:t>Méthodologie de teste d’intrusion</a:t>
+            </a:r>
+          </a:p>
+          <a:p>
+            <a:r>
+              <a:rPr lang="fr-FR" dirty="0" smtClean="0"/>
+              <a:t>Collecte d’information</a:t>
+            </a:r>
+          </a:p>
+          <a:p>
+            <a:r>
+              <a:rPr lang="fr-FR" dirty="0" smtClean="0"/>
+              <a:t>Scanner</a:t>
+            </a:r>
+          </a:p>
+          <a:p>
+            <a:r>
+              <a:rPr lang="fr-FR" dirty="0" smtClean="0"/>
+              <a:t>Intrusion et Exploitation</a:t>
+            </a:r>
+          </a:p>
+          <a:p>
+            <a:r>
+              <a:rPr lang="fr-FR" dirty="0" smtClean="0"/>
+              <a:t>Maintenir l’accès et élévation des privilèges</a:t>
+            </a:r>
+          </a:p>
+          <a:p>
+            <a:r>
+              <a:rPr lang="fr-FR" dirty="0" smtClean="0"/>
+              <a:t>Effacer les traces d’intrusion</a:t>
+            </a:r>
+            <a:endParaRPr lang="fr-FR" dirty="0"/>
+          </a:p>
+        </p:txBody>
+      </p:sp>
+    </p:spTree>
+    <p:extLst>
+      <p:ext uri="{BB962C8B-B14F-4D97-AF65-F5344CB8AC3E}">
+        <p14:creationId xmlns:p14="http://schemas.microsoft.com/office/powerpoint/2010/main" val="3694644629"/>
+      </p:ext>
+    </p:extLst>
+  </p:cSld>
+  <p:clrMapOvr>
+    <a:masterClrMapping/>
+  </p:clrMapOvr>
+  <p:timing>
+    <p:tnLst>
+      <p:par>
+        <p:cTn id="1" dur="indefinite" restart="never" nodeType="tmRoot"/>
+      </p:par>
+    </p:tnLst>
+  </p:timing>
+</p:sld>
+</file>
+
+<file path=ppt/slides/slide3.xml><?xml version="1.0" encoding="utf-8"?>
+<p:sld xmlns:a="http://schemas.openxmlformats.org/drawingml/2006/main" xmlns:r="http://schemas.openxmlformats.org/officeDocument/2006/relationships" xmlns:p="http://schemas.openxmlformats.org/presentationml/2006/main">
+  <p:cSld>
+    <p:spTree>
+      <p:nvGrpSpPr>
+        <p:cNvPr id="1" name=""/>
+        <p:cNvGrpSpPr/>
+        <p:nvPr/>
+      </p:nvGrpSpPr>
+      <p:grpSpPr>
+        <a:xfrm>
+          <a:off x="0" y="0"/>
+          <a:ext cx="0" cy="0"/>
+          <a:chOff x="0" y="0"/>
+          <a:chExt cx="0" cy="0"/>
+        </a:xfrm>
+      </p:grpSpPr>
+      <p:sp>
+        <p:nvSpPr>
+          <p:cNvPr id="2" name="Title 1"/>
+          <p:cNvSpPr>
+            <a:spLocks noGrp="1"/>
+          </p:cNvSpPr>
+          <p:nvPr>
+            <p:ph type="title"/>
+          </p:nvPr>
+        </p:nvSpPr>
+        <p:spPr/>
+        <p:txBody>
+          <a:bodyPr/>
+          <a:lstStyle/>
+          <a:p>
+            <a:r>
+              <a:rPr lang="fr-FR" dirty="0" smtClean="0"/>
+              <a:t>Méthodologie de teste d’intrusion</a:t>
+            </a:r>
+            <a:endParaRPr lang="fr-FR" dirty="0"/>
+          </a:p>
+        </p:txBody>
+      </p:sp>
+      <p:sp>
+        <p:nvSpPr>
+          <p:cNvPr id="3" name="Content Placeholder 2"/>
+          <p:cNvSpPr>
+            <a:spLocks noGrp="1"/>
+          </p:cNvSpPr>
+          <p:nvPr>
+            <p:ph idx="1"/>
+          </p:nvPr>
+        </p:nvSpPr>
+        <p:spPr/>
+        <p:txBody>
+          <a:bodyPr/>
+          <a:lstStyle/>
+          <a:p>
+            <a:endParaRPr lang="en-US"/>
+          </a:p>
+        </p:txBody>
+      </p:sp>
+    </p:spTree>
+    <p:extLst>
+      <p:ext uri="{BB962C8B-B14F-4D97-AF65-F5344CB8AC3E}">
+        <p14:creationId xmlns:p14="http://schemas.microsoft.com/office/powerpoint/2010/main" val="1154818026"/>
+      </p:ext>
+    </p:extLst>
+  </p:cSld>
+  <p:clrMapOvr>
+    <a:masterClrMapping/>
+  </p:clrMapOvr>
+  <p:timing>
+    <p:tnLst>
+      <p:par>
+        <p:cTn id="1" dur="indefinite" restart="never" nodeType="tmRoot"/>
+      </p:par>
+    </p:tnLst>
+  </p:timing>
+</p:sld>
+</file>
+
+<file path=ppt/slides/slide4.xml><?xml version="1.0" encoding="utf-8"?>
+<p:sld xmlns:a="http://schemas.openxmlformats.org/drawingml/2006/main" xmlns:r="http://schemas.openxmlformats.org/officeDocument/2006/relationships" xmlns:p="http://schemas.openxmlformats.org/presentationml/2006/main">
+  <p:cSld>
+    <p:spTree>
+      <p:nvGrpSpPr>
+        <p:cNvPr id="1" name=""/>
+        <p:cNvGrpSpPr/>
+        <p:nvPr/>
+      </p:nvGrpSpPr>
+      <p:grpSpPr>
+        <a:xfrm>
+          <a:off x="0" y="0"/>
+          <a:ext cx="0" cy="0"/>
+          <a:chOff x="0" y="0"/>
+          <a:chExt cx="0" cy="0"/>
+        </a:xfrm>
+      </p:grpSpPr>
+      <p:sp>
+        <p:nvSpPr>
+          <p:cNvPr id="2" name="Title 1"/>
+          <p:cNvSpPr>
+            <a:spLocks noGrp="1"/>
+          </p:cNvSpPr>
+          <p:nvPr>
+            <p:ph type="title"/>
+          </p:nvPr>
+        </p:nvSpPr>
+        <p:spPr/>
+        <p:txBody>
+          <a:bodyPr/>
+          <a:lstStyle/>
+          <a:p>
+            <a:r>
+              <a:rPr lang="en-US" dirty="0" err="1" smtClean="0"/>
+              <a:t>Collecte</a:t>
+            </a:r>
+            <a:r>
+              <a:rPr lang="en-US" dirty="0" smtClean="0"/>
+              <a:t> </a:t>
+            </a:r>
+            <a:r>
+              <a:rPr lang="en-US" dirty="0" err="1" smtClean="0"/>
+              <a:t>d’information</a:t>
+            </a:r>
+            <a:endParaRPr lang="en-US" dirty="0"/>
+          </a:p>
+        </p:txBody>
+      </p:sp>
+      <p:sp>
+        <p:nvSpPr>
+          <p:cNvPr id="3" name="Content Placeholder 2"/>
+          <p:cNvSpPr>
+            <a:spLocks noGrp="1"/>
+          </p:cNvSpPr>
+          <p:nvPr>
+            <p:ph idx="1"/>
+          </p:nvPr>
+        </p:nvSpPr>
+        <p:spPr/>
+        <p:txBody>
+          <a:bodyPr/>
+          <a:lstStyle/>
+          <a:p>
+            <a:endParaRPr lang="en-US"/>
+          </a:p>
+        </p:txBody>
+      </p:sp>
+    </p:spTree>
+    <p:extLst>
+      <p:ext uri="{BB962C8B-B14F-4D97-AF65-F5344CB8AC3E}">
+        <p14:creationId xmlns:p14="http://schemas.microsoft.com/office/powerpoint/2010/main" val="1165089354"/>
+      </p:ext>
+    </p:extLst>
+  </p:cSld>
+  <p:clrMapOvr>
+    <a:masterClrMapping/>
+  </p:clrMapOvr>
+  <p:timing>
+    <p:tnLst>
+      <p:par>
+        <p:cTn id="1" dur="indefinite" restart="never" nodeType="tmRoot"/>
+      </p:par>
+    </p:tnLst>
+  </p:timing>
+</p:sld>
+</file>
+
+<file path=ppt/slides/slide5.xml><?xml version="1.0" encoding="utf-8"?>
+<p:sld xmlns:a="http://schemas.openxmlformats.org/drawingml/2006/main" xmlns:r="http://schemas.openxmlformats.org/officeDocument/2006/relationships" xmlns:p="http://schemas.openxmlformats.org/presentationml/2006/main">
+  <p:cSld>
+    <p:spTree>
+      <p:nvGrpSpPr>
+        <p:cNvPr id="1" name=""/>
+        <p:cNvGrpSpPr/>
+        <p:nvPr/>
+      </p:nvGrpSpPr>
+      <p:grpSpPr>
+        <a:xfrm>
+          <a:off x="0" y="0"/>
+          <a:ext cx="0" cy="0"/>
+          <a:chOff x="0" y="0"/>
+          <a:chExt cx="0" cy="0"/>
+        </a:xfrm>
+      </p:grpSpPr>
+      <p:sp>
+        <p:nvSpPr>
+          <p:cNvPr id="2" name="Title 1"/>
+          <p:cNvSpPr>
+            <a:spLocks noGrp="1"/>
+          </p:cNvSpPr>
+          <p:nvPr>
+            <p:ph type="title"/>
+          </p:nvPr>
+        </p:nvSpPr>
+        <p:spPr/>
+        <p:txBody>
+          <a:bodyPr/>
+          <a:lstStyle/>
+          <a:p>
+            <a:r>
+              <a:rPr lang="en-US" dirty="0" smtClean="0"/>
+              <a:t>scanner</a:t>
+            </a:r>
+            <a:endParaRPr lang="en-US" dirty="0"/>
+          </a:p>
+        </p:txBody>
+      </p:sp>
+      <p:sp>
+        <p:nvSpPr>
+          <p:cNvPr id="3" name="Content Placeholder 2"/>
+          <p:cNvSpPr>
+            <a:spLocks noGrp="1"/>
+          </p:cNvSpPr>
+          <p:nvPr>
+            <p:ph idx="1"/>
+          </p:nvPr>
+        </p:nvSpPr>
+        <p:spPr/>
+        <p:txBody>
+          <a:bodyPr/>
+          <a:lstStyle/>
+          <a:p>
+            <a:endParaRPr lang="en-US"/>
+          </a:p>
+        </p:txBody>
+      </p:sp>
+    </p:spTree>
+    <p:extLst>
+      <p:ext uri="{BB962C8B-B14F-4D97-AF65-F5344CB8AC3E}">
+        <p14:creationId xmlns:p14="http://schemas.microsoft.com/office/powerpoint/2010/main" val="1783032337"/>
+      </p:ext>
+    </p:extLst>
+  </p:cSld>
+  <p:clrMapOvr>
+    <a:masterClrMapping/>
+  </p:clrMapOvr>
+  <p:timing>
+    <p:tnLst>
+      <p:par>
+        <p:cTn id="1" dur="indefinite" restart="never" nodeType="tmRoot"/>
+      </p:par>
+    </p:tnLst>
+  </p:timing>
+</p:sld>
+</file>
+
+<file path=ppt/slides/slide6.xml><?xml version="1.0" encoding="utf-8"?>
+<p:sld xmlns:a="http://schemas.openxmlformats.org/drawingml/2006/main" xmlns:r="http://schemas.openxmlformats.org/officeDocument/2006/relationships" xmlns:p="http://schemas.openxmlformats.org/presentationml/2006/main">
+  <p:cSld>
+    <p:spTree>
+      <p:nvGrpSpPr>
+        <p:cNvPr id="1" name=""/>
+        <p:cNvGrpSpPr/>
+        <p:nvPr/>
+      </p:nvGrpSpPr>
+      <p:grpSpPr>
+        <a:xfrm>
+          <a:off x="0" y="0"/>
+          <a:ext cx="0" cy="0"/>
+          <a:chOff x="0" y="0"/>
+          <a:chExt cx="0" cy="0"/>
+        </a:xfrm>
+      </p:grpSpPr>
+      <p:sp>
+        <p:nvSpPr>
+          <p:cNvPr id="2" name="Title 1"/>
+          <p:cNvSpPr>
+            <a:spLocks noGrp="1"/>
+          </p:cNvSpPr>
+          <p:nvPr>
+            <p:ph type="title"/>
+          </p:nvPr>
+        </p:nvSpPr>
+        <p:spPr/>
+        <p:txBody>
+          <a:bodyPr/>
+          <a:lstStyle/>
+          <a:p>
+            <a:r>
+              <a:rPr lang="en-US" dirty="0" smtClean="0"/>
+              <a:t>Intrusion et exploitation</a:t>
+            </a:r>
+            <a:endParaRPr lang="en-US" dirty="0"/>
+          </a:p>
+        </p:txBody>
+      </p:sp>
+      <p:sp>
+        <p:nvSpPr>
+          <p:cNvPr id="3" name="Content Placeholder 2"/>
+          <p:cNvSpPr>
+            <a:spLocks noGrp="1"/>
+          </p:cNvSpPr>
+          <p:nvPr>
+            <p:ph idx="1"/>
+          </p:nvPr>
+        </p:nvSpPr>
+        <p:spPr/>
+        <p:txBody>
+          <a:bodyPr/>
+          <a:lstStyle/>
+          <a:p>
+            <a:endParaRPr lang="en-US"/>
+          </a:p>
+        </p:txBody>
+      </p:sp>
+    </p:spTree>
+    <p:extLst>
+      <p:ext uri="{BB962C8B-B14F-4D97-AF65-F5344CB8AC3E}">
+        <p14:creationId xmlns:p14="http://schemas.microsoft.com/office/powerpoint/2010/main" val="423615439"/>
+      </p:ext>
+    </p:extLst>
+  </p:cSld>
+  <p:clrMapOvr>
+    <a:masterClrMapping/>
+  </p:clrMapOvr>
+  <p:timing>
+    <p:tnLst>
+      <p:par>
+        <p:cTn id="1" dur="indefinite" restart="never" nodeType="tmRoot"/>
+      </p:par>
+    </p:tnLst>
+  </p:timing>
+</p:sld>
+</file>
+
+<file path=ppt/slides/slide7.xml><?xml version="1.0" encoding="utf-8"?>
+<p:sld xmlns:a="http://schemas.openxmlformats.org/drawingml/2006/main" xmlns:r="http://schemas.openxmlformats.org/officeDocument/2006/relationships" xmlns:p="http://schemas.openxmlformats.org/presentationml/2006/main">
+  <p:cSld>
+    <p:spTree>
+      <p:nvGrpSpPr>
+        <p:cNvPr id="1" name=""/>
+        <p:cNvGrpSpPr/>
+        <p:nvPr/>
+      </p:nvGrpSpPr>
+      <p:grpSpPr>
+        <a:xfrm>
+          <a:off x="0" y="0"/>
+          <a:ext cx="0" cy="0"/>
+          <a:chOff x="0" y="0"/>
+          <a:chExt cx="0" cy="0"/>
+        </a:xfrm>
+      </p:grpSpPr>
+      <p:sp>
+        <p:nvSpPr>
+          <p:cNvPr id="2" name="Title 1"/>
+          <p:cNvSpPr>
+            <a:spLocks noGrp="1"/>
+          </p:cNvSpPr>
+          <p:nvPr>
+            <p:ph type="title"/>
+          </p:nvPr>
+        </p:nvSpPr>
+        <p:spPr/>
+        <p:txBody>
+          <a:bodyPr/>
+          <a:lstStyle/>
+          <a:p>
+            <a:r>
+              <a:rPr lang="en-US" dirty="0" err="1" smtClean="0"/>
+              <a:t>Maintenir</a:t>
+            </a:r>
+            <a:r>
+              <a:rPr lang="en-US" dirty="0" smtClean="0"/>
+              <a:t> </a:t>
+            </a:r>
+            <a:r>
+              <a:rPr lang="en-US" dirty="0" err="1" smtClean="0"/>
+              <a:t>l’accès</a:t>
+            </a:r>
+            <a:r>
+              <a:rPr lang="en-US" dirty="0" smtClean="0"/>
+              <a:t> et </a:t>
+            </a:r>
+            <a:r>
+              <a:rPr lang="en-US" dirty="0" err="1" smtClean="0"/>
+              <a:t>élévation</a:t>
+            </a:r>
+            <a:r>
+              <a:rPr lang="en-US" dirty="0" smtClean="0"/>
+              <a:t> des </a:t>
+            </a:r>
+            <a:r>
+              <a:rPr lang="en-US" dirty="0" err="1" smtClean="0"/>
+              <a:t>privilèges</a:t>
+            </a:r>
+            <a:endParaRPr lang="en-US" dirty="0"/>
+          </a:p>
+        </p:txBody>
+      </p:sp>
+      <p:sp>
+        <p:nvSpPr>
+          <p:cNvPr id="3" name="Content Placeholder 2"/>
+          <p:cNvSpPr>
+            <a:spLocks noGrp="1"/>
+          </p:cNvSpPr>
+          <p:nvPr>
+            <p:ph idx="1"/>
+          </p:nvPr>
+        </p:nvSpPr>
+        <p:spPr/>
+        <p:txBody>
+          <a:bodyPr/>
+          <a:lstStyle/>
+          <a:p>
+            <a:endParaRPr lang="en-US"/>
+          </a:p>
+        </p:txBody>
+      </p:sp>
+    </p:spTree>
+    <p:extLst>
+      <p:ext uri="{BB962C8B-B14F-4D97-AF65-F5344CB8AC3E}">
+        <p14:creationId xmlns:p14="http://schemas.microsoft.com/office/powerpoint/2010/main" val="3268129381"/>
+      </p:ext>
+    </p:extLst>
+  </p:cSld>
+  <p:clrMapOvr>
+    <a:masterClrMapping/>
+  </p:clrMapOvr>
+  <p:timing>
+    <p:tnLst>
+      <p:par>
+        <p:cTn id="1" dur="indefinite" restart="never" nodeType="tmRoot"/>
+      </p:par>
+    </p:tnLst>
+  </p:timing>
+</p:sld>
+</file>
+
+<file path=ppt/slides/slide8.xml><?xml version="1.0" encoding="utf-8"?>
+<p:sld xmlns:a="http://schemas.openxmlformats.org/drawingml/2006/main" xmlns:r="http://schemas.openxmlformats.org/officeDocument/2006/relationships" xmlns:p="http://schemas.openxmlformats.org/presentationml/2006/main">
+  <p:cSld>
+    <p:spTree>
+      <p:nvGrpSpPr>
+        <p:cNvPr id="1" name=""/>
+        <p:cNvGrpSpPr/>
+        <p:nvPr/>
+      </p:nvGrpSpPr>
+      <p:grpSpPr>
+        <a:xfrm>
+          <a:off x="0" y="0"/>
+          <a:ext cx="0" cy="0"/>
+          <a:chOff x="0" y="0"/>
+          <a:chExt cx="0" cy="0"/>
+        </a:xfrm>
+      </p:grpSpPr>
+      <p:sp>
+        <p:nvSpPr>
+          <p:cNvPr id="2" name="Title 1"/>
+          <p:cNvSpPr>
+            <a:spLocks noGrp="1"/>
+          </p:cNvSpPr>
+          <p:nvPr>
+            <p:ph type="title"/>
+          </p:nvPr>
+        </p:nvSpPr>
+        <p:spPr/>
+        <p:txBody>
+          <a:bodyPr/>
+          <a:lstStyle/>
+          <a:p>
+            <a:r>
+              <a:rPr lang="en-US" dirty="0" smtClean="0"/>
+              <a:t>Effacer les traces </a:t>
+            </a:r>
+            <a:r>
+              <a:rPr lang="en-US" dirty="0" err="1" smtClean="0"/>
+              <a:t>d’intrusion</a:t>
+            </a:r>
+            <a:endParaRPr lang="en-US" dirty="0"/>
+          </a:p>
+        </p:txBody>
+      </p:sp>
+      <p:sp>
+        <p:nvSpPr>
+          <p:cNvPr id="3" name="Content Placeholder 2"/>
+          <p:cNvSpPr>
+            <a:spLocks noGrp="1"/>
+          </p:cNvSpPr>
+          <p:nvPr>
+            <p:ph idx="1"/>
+          </p:nvPr>
+        </p:nvSpPr>
+        <p:spPr/>
+        <p:txBody>
+          <a:bodyPr/>
+          <a:lstStyle/>
+          <a:p>
+            <a:endParaRPr lang="en-US"/>
+          </a:p>
+        </p:txBody>
+      </p:sp>
+    </p:spTree>
+    <p:extLst>
+      <p:ext uri="{BB962C8B-B14F-4D97-AF65-F5344CB8AC3E}">
+        <p14:creationId xmlns:p14="http://schemas.microsoft.com/office/powerpoint/2010/main" val="3286651456"/>
+      </p:ext>
+    </p:extLst>
+  </p:cSld>
+  <p:clrMapOvr>
+    <a:masterClrMapping/>
+  </p:clrMapOvr>
+  <p:timing>
+    <p:tnLst>
+      <p:par>
+        <p:cTn id="1" dur="indefinite" restart="never" nodeType="tmRoot"/>
+      </p:par>
+    </p:tnLst>
+  </p:timing>
+</p:sld>
+</file>
+
 <file path=ppt/theme/theme1.xml><?xml version="1.0" encoding="utf-8"?>
 <a:theme xmlns:a="http://schemas.openxmlformats.org/drawingml/2006/main" name="Dividend">
   <a:themeElements>
